--- a/OpsSchool-project-Diana.pptx
+++ b/OpsSchool-project-Diana.pptx
@@ -3584,52 +3584,6 @@
         </a:p>
       </dgm:t>
     </dgm:pt>
-    <dgm:pt modelId="{F615A359-C334-4668-BB9E-9EB03F146248}">
-      <dgm:prSet custT="1"/>
-      <dgm:spPr>
-        <a:solidFill>
-          <a:schemeClr val="accent4">
-            <a:lumMod val="60000"/>
-            <a:lumOff val="40000"/>
-          </a:schemeClr>
-        </a:solidFill>
-      </dgm:spPr>
-      <dgm:t>
-        <a:bodyPr/>
-        <a:lstStyle/>
-        <a:p>
-          <a:endParaRPr lang="en-US" sz="1400" dirty="0">
-            <a:solidFill>
-              <a:schemeClr val="tx1"/>
-            </a:solidFill>
-            <a:latin typeface="Arial" panose="020B0604020202020204" pitchFamily="34" charset="0"/>
-            <a:cs typeface="Arial" panose="020B0604020202020204" pitchFamily="34" charset="0"/>
-          </a:endParaRPr>
-        </a:p>
-      </dgm:t>
-    </dgm:pt>
-    <dgm:pt modelId="{FE39958B-73B7-4FB8-9E80-F6039F555DD1}" type="parTrans" cxnId="{4179CBC5-3F5F-48EA-B75D-6BAF0CEA3AED}">
-      <dgm:prSet/>
-      <dgm:spPr/>
-      <dgm:t>
-        <a:bodyPr/>
-        <a:lstStyle/>
-        <a:p>
-          <a:endParaRPr lang="en-US"/>
-        </a:p>
-      </dgm:t>
-    </dgm:pt>
-    <dgm:pt modelId="{4EA52B09-68C8-4A47-9862-2D39BF9FD162}" type="sibTrans" cxnId="{4179CBC5-3F5F-48EA-B75D-6BAF0CEA3AED}">
-      <dgm:prSet/>
-      <dgm:spPr/>
-      <dgm:t>
-        <a:bodyPr/>
-        <a:lstStyle/>
-        <a:p>
-          <a:endParaRPr lang="en-US"/>
-        </a:p>
-      </dgm:t>
-    </dgm:pt>
     <dgm:pt modelId="{7EDBF4DB-8D46-4E0A-B763-223D03CE3AA3}">
       <dgm:prSet custT="1"/>
       <dgm:spPr>
@@ -3823,52 +3777,6 @@
         </a:p>
       </dgm:t>
     </dgm:pt>
-    <dgm:pt modelId="{07AD04A3-1912-451E-9E19-8D45D7F41FCB}">
-      <dgm:prSet custT="1"/>
-      <dgm:spPr>
-        <a:solidFill>
-          <a:schemeClr val="accent4">
-            <a:lumMod val="60000"/>
-            <a:lumOff val="40000"/>
-          </a:schemeClr>
-        </a:solidFill>
-      </dgm:spPr>
-      <dgm:t>
-        <a:bodyPr/>
-        <a:lstStyle/>
-        <a:p>
-          <a:endParaRPr lang="en-US" sz="1400" dirty="0">
-            <a:solidFill>
-              <a:schemeClr val="tx1"/>
-            </a:solidFill>
-            <a:latin typeface="Arial" panose="020B0604020202020204" pitchFamily="34" charset="0"/>
-            <a:cs typeface="Arial" panose="020B0604020202020204" pitchFamily="34" charset="0"/>
-          </a:endParaRPr>
-        </a:p>
-      </dgm:t>
-    </dgm:pt>
-    <dgm:pt modelId="{E9911B6F-F6D0-4DEE-8368-53CAAB4B6F2D}" type="parTrans" cxnId="{2F67B1D0-C634-4FA6-82A2-F10A9AC706A5}">
-      <dgm:prSet/>
-      <dgm:spPr/>
-      <dgm:t>
-        <a:bodyPr/>
-        <a:lstStyle/>
-        <a:p>
-          <a:endParaRPr lang="en-US"/>
-        </a:p>
-      </dgm:t>
-    </dgm:pt>
-    <dgm:pt modelId="{4900EBA4-6DAD-4FEA-98FD-C5DB92E684E1}" type="sibTrans" cxnId="{2F67B1D0-C634-4FA6-82A2-F10A9AC706A5}">
-      <dgm:prSet/>
-      <dgm:spPr/>
-      <dgm:t>
-        <a:bodyPr/>
-        <a:lstStyle/>
-        <a:p>
-          <a:endParaRPr lang="en-US"/>
-        </a:p>
-      </dgm:t>
-    </dgm:pt>
     <dgm:pt modelId="{633EE9F3-2822-449A-A1AE-9A73DD9DAE00}" type="pres">
       <dgm:prSet presAssocID="{9C37B6B8-2A41-464F-B6DB-6CA51DAD3F0A}" presName="diagram" presStyleCnt="0">
         <dgm:presLayoutVars>
@@ -3879,7 +3787,7 @@
       <dgm:spPr/>
     </dgm:pt>
     <dgm:pt modelId="{17D0EF5E-DBED-479D-9C60-CF6B10DE5B0D}" type="pres">
-      <dgm:prSet presAssocID="{26A80FD8-631B-43E7-8176-F86E5A3DF83B}" presName="node" presStyleLbl="node1" presStyleIdx="0" presStyleCnt="6" custScaleY="78849" custLinFactNeighborX="-4960" custLinFactNeighborY="4514">
+      <dgm:prSet presAssocID="{26A80FD8-631B-43E7-8176-F86E5A3DF83B}" presName="node" presStyleLbl="node1" presStyleIdx="0" presStyleCnt="4" custScaleY="78849" custLinFactNeighborX="-4960" custLinFactNeighborY="4514">
         <dgm:presLayoutVars>
           <dgm:bulletEnabled val="1"/>
         </dgm:presLayoutVars>
@@ -3890,20 +3798,8 @@
       <dgm:prSet presAssocID="{48F83239-F33B-4202-8AC1-E25FA7CE5048}" presName="sibTrans" presStyleCnt="0"/>
       <dgm:spPr/>
     </dgm:pt>
-    <dgm:pt modelId="{8788380F-F83C-47A6-993B-6A02B8FF2AB2}" type="pres">
-      <dgm:prSet presAssocID="{F615A359-C334-4668-BB9E-9EB03F146248}" presName="node" presStyleLbl="node1" presStyleIdx="1" presStyleCnt="6" custScaleY="82637" custLinFactNeighborX="-3447" custLinFactNeighborY="1035">
-        <dgm:presLayoutVars>
-          <dgm:bulletEnabled val="1"/>
-        </dgm:presLayoutVars>
-      </dgm:prSet>
-      <dgm:spPr/>
-    </dgm:pt>
-    <dgm:pt modelId="{7597F829-7BEA-4D81-A085-330E02629DCD}" type="pres">
-      <dgm:prSet presAssocID="{4EA52B09-68C8-4A47-9862-2D39BF9FD162}" presName="sibTrans" presStyleCnt="0"/>
-      <dgm:spPr/>
-    </dgm:pt>
     <dgm:pt modelId="{7A0FED82-7145-4C7F-8D77-EB2F478D8BE7}" type="pres">
-      <dgm:prSet presAssocID="{7EDBF4DB-8D46-4E0A-B763-223D03CE3AA3}" presName="node" presStyleLbl="node1" presStyleIdx="2" presStyleCnt="6" custScaleY="89965" custLinFactNeighborX="-1810" custLinFactNeighborY="2189">
+      <dgm:prSet presAssocID="{7EDBF4DB-8D46-4E0A-B763-223D03CE3AA3}" presName="node" presStyleLbl="node1" presStyleIdx="1" presStyleCnt="4" custScaleY="89965" custLinFactNeighborX="-1810" custLinFactNeighborY="2189">
         <dgm:presLayoutVars>
           <dgm:bulletEnabled val="1"/>
         </dgm:presLayoutVars>
@@ -3915,7 +3811,7 @@
       <dgm:spPr/>
     </dgm:pt>
     <dgm:pt modelId="{2CF7B8EF-1675-4B27-8DBA-17B220AF8F21}" type="pres">
-      <dgm:prSet presAssocID="{B971CF3F-0B64-4988-A2BA-26AA73EA1862}" presName="node" presStyleLbl="node1" presStyleIdx="3" presStyleCnt="6" custScaleY="89714" custLinFactNeighborX="-1911" custLinFactNeighborY="-549">
+      <dgm:prSet presAssocID="{B971CF3F-0B64-4988-A2BA-26AA73EA1862}" presName="node" presStyleLbl="node1" presStyleIdx="2" presStyleCnt="4" custScaleY="89714" custLinFactNeighborX="-1911" custLinFactNeighborY="-549">
         <dgm:presLayoutVars>
           <dgm:bulletEnabled val="1"/>
         </dgm:presLayoutVars>
@@ -3927,19 +3823,7 @@
       <dgm:spPr/>
     </dgm:pt>
     <dgm:pt modelId="{854D32F6-3C69-4626-A766-6DD6A513613A}" type="pres">
-      <dgm:prSet presAssocID="{F2643FD4-FF39-4A54-85F1-832977565AB5}" presName="node" presStyleLbl="node1" presStyleIdx="4" presStyleCnt="6" custScaleY="80570" custLinFactNeighborX="-901" custLinFactNeighborY="-6653">
-        <dgm:presLayoutVars>
-          <dgm:bulletEnabled val="1"/>
-        </dgm:presLayoutVars>
-      </dgm:prSet>
-      <dgm:spPr/>
-    </dgm:pt>
-    <dgm:pt modelId="{DF84C501-A837-4ACD-A28E-EC60AF1A2A54}" type="pres">
-      <dgm:prSet presAssocID="{04BE4801-ACB9-49EE-8FCF-AA6A60551FCE}" presName="sibTrans" presStyleCnt="0"/>
-      <dgm:spPr/>
-    </dgm:pt>
-    <dgm:pt modelId="{C38701D1-1B91-4D85-BEF9-D0956313685B}" type="pres">
-      <dgm:prSet presAssocID="{07AD04A3-1912-451E-9E19-8D45D7F41FCB}" presName="node" presStyleLbl="node1" presStyleIdx="5" presStyleCnt="6" custScaleY="82243" custLinFactNeighborX="-2534" custLinFactNeighborY="-2485">
+      <dgm:prSet presAssocID="{F2643FD4-FF39-4A54-85F1-832977565AB5}" presName="node" presStyleLbl="node1" presStyleIdx="3" presStyleCnt="4" custScaleY="80570" custLinFactNeighborX="-901" custLinFactNeighborY="-6653">
         <dgm:presLayoutVars>
           <dgm:bulletEnabled val="1"/>
         </dgm:presLayoutVars>
@@ -3951,27 +3835,19 @@
     <dgm:cxn modelId="{71A9DD00-90D6-4F44-BFF9-EDF1E096B897}" type="presOf" srcId="{B971CF3F-0B64-4988-A2BA-26AA73EA1862}" destId="{2CF7B8EF-1675-4B27-8DBA-17B220AF8F21}" srcOrd="0" destOrd="0" presId="urn:microsoft.com/office/officeart/2005/8/layout/default"/>
     <dgm:cxn modelId="{75B77A0A-6833-4BD8-A835-B2A1CEB5F02E}" type="presOf" srcId="{F2643FD4-FF39-4A54-85F1-832977565AB5}" destId="{854D32F6-3C69-4626-A766-6DD6A513613A}" srcOrd="0" destOrd="0" presId="urn:microsoft.com/office/officeart/2005/8/layout/default"/>
     <dgm:cxn modelId="{EEF8D428-B805-47D8-AD67-21913C9AA6AD}" type="presOf" srcId="{7EDBF4DB-8D46-4E0A-B763-223D03CE3AA3}" destId="{7A0FED82-7145-4C7F-8D77-EB2F478D8BE7}" srcOrd="0" destOrd="0" presId="urn:microsoft.com/office/officeart/2005/8/layout/default"/>
-    <dgm:cxn modelId="{A5178E5B-5A5D-4D44-9DB2-85D71C895640}" type="presOf" srcId="{07AD04A3-1912-451E-9E19-8D45D7F41FCB}" destId="{C38701D1-1B91-4D85-BEF9-D0956313685B}" srcOrd="0" destOrd="0" presId="urn:microsoft.com/office/officeart/2005/8/layout/default"/>
     <dgm:cxn modelId="{0426404B-486D-46C9-A159-E62E14B32F41}" srcId="{9C37B6B8-2A41-464F-B6DB-6CA51DAD3F0A}" destId="{26A80FD8-631B-43E7-8176-F86E5A3DF83B}" srcOrd="0" destOrd="0" parTransId="{486ED5D1-A6F5-4617-ADA3-10AD8455CF40}" sibTransId="{48F83239-F33B-4202-8AC1-E25FA7CE5048}"/>
-    <dgm:cxn modelId="{3C67AC54-917F-4F7A-8A37-85AF30CEE8D7}" type="presOf" srcId="{F615A359-C334-4668-BB9E-9EB03F146248}" destId="{8788380F-F83C-47A6-993B-6A02B8FF2AB2}" srcOrd="0" destOrd="0" presId="urn:microsoft.com/office/officeart/2005/8/layout/default"/>
-    <dgm:cxn modelId="{78ECC8A7-BF24-43D1-8590-7148BEFC594C}" srcId="{9C37B6B8-2A41-464F-B6DB-6CA51DAD3F0A}" destId="{F2643FD4-FF39-4A54-85F1-832977565AB5}" srcOrd="4" destOrd="0" parTransId="{05737800-BDCC-4353-B317-1A37270B2C06}" sibTransId="{04BE4801-ACB9-49EE-8FCF-AA6A60551FCE}"/>
-    <dgm:cxn modelId="{4179CBC5-3F5F-48EA-B75D-6BAF0CEA3AED}" srcId="{9C37B6B8-2A41-464F-B6DB-6CA51DAD3F0A}" destId="{F615A359-C334-4668-BB9E-9EB03F146248}" srcOrd="1" destOrd="0" parTransId="{FE39958B-73B7-4FB8-9E80-F6039F555DD1}" sibTransId="{4EA52B09-68C8-4A47-9862-2D39BF9FD162}"/>
-    <dgm:cxn modelId="{2F67B1D0-C634-4FA6-82A2-F10A9AC706A5}" srcId="{9C37B6B8-2A41-464F-B6DB-6CA51DAD3F0A}" destId="{07AD04A3-1912-451E-9E19-8D45D7F41FCB}" srcOrd="5" destOrd="0" parTransId="{E9911B6F-F6D0-4DEE-8368-53CAAB4B6F2D}" sibTransId="{4900EBA4-6DAD-4FEA-98FD-C5DB92E684E1}"/>
+    <dgm:cxn modelId="{78ECC8A7-BF24-43D1-8590-7148BEFC594C}" srcId="{9C37B6B8-2A41-464F-B6DB-6CA51DAD3F0A}" destId="{F2643FD4-FF39-4A54-85F1-832977565AB5}" srcOrd="3" destOrd="0" parTransId="{05737800-BDCC-4353-B317-1A37270B2C06}" sibTransId="{04BE4801-ACB9-49EE-8FCF-AA6A60551FCE}"/>
     <dgm:cxn modelId="{C19345E3-98A7-47CC-B8F2-E8BB5EB3BE80}" type="presOf" srcId="{26A80FD8-631B-43E7-8176-F86E5A3DF83B}" destId="{17D0EF5E-DBED-479D-9C60-CF6B10DE5B0D}" srcOrd="0" destOrd="0" presId="urn:microsoft.com/office/officeart/2005/8/layout/default"/>
-    <dgm:cxn modelId="{BDA6A4E6-7416-4B02-89EC-DB33CB76E702}" srcId="{9C37B6B8-2A41-464F-B6DB-6CA51DAD3F0A}" destId="{B971CF3F-0B64-4988-A2BA-26AA73EA1862}" srcOrd="3" destOrd="0" parTransId="{657D35E2-622B-4536-8BC9-3AC2D198A2C5}" sibTransId="{3C7CC4ED-4BBC-4EB4-A082-C0D073630CA6}"/>
-    <dgm:cxn modelId="{94C55FF5-12AB-43DF-9E09-27CC19024AF4}" srcId="{9C37B6B8-2A41-464F-B6DB-6CA51DAD3F0A}" destId="{7EDBF4DB-8D46-4E0A-B763-223D03CE3AA3}" srcOrd="2" destOrd="0" parTransId="{39542D4C-1760-436F-AA79-1277C5C3C576}" sibTransId="{2E941910-E40A-414D-B5A4-7FD12761C7D1}"/>
+    <dgm:cxn modelId="{BDA6A4E6-7416-4B02-89EC-DB33CB76E702}" srcId="{9C37B6B8-2A41-464F-B6DB-6CA51DAD3F0A}" destId="{B971CF3F-0B64-4988-A2BA-26AA73EA1862}" srcOrd="2" destOrd="0" parTransId="{657D35E2-622B-4536-8BC9-3AC2D198A2C5}" sibTransId="{3C7CC4ED-4BBC-4EB4-A082-C0D073630CA6}"/>
+    <dgm:cxn modelId="{94C55FF5-12AB-43DF-9E09-27CC19024AF4}" srcId="{9C37B6B8-2A41-464F-B6DB-6CA51DAD3F0A}" destId="{7EDBF4DB-8D46-4E0A-B763-223D03CE3AA3}" srcOrd="1" destOrd="0" parTransId="{39542D4C-1760-436F-AA79-1277C5C3C576}" sibTransId="{2E941910-E40A-414D-B5A4-7FD12761C7D1}"/>
     <dgm:cxn modelId="{17104DF5-B6DB-45F2-827F-311941E7E8FF}" type="presOf" srcId="{9C37B6B8-2A41-464F-B6DB-6CA51DAD3F0A}" destId="{633EE9F3-2822-449A-A1AE-9A73DD9DAE00}" srcOrd="0" destOrd="0" presId="urn:microsoft.com/office/officeart/2005/8/layout/default"/>
     <dgm:cxn modelId="{A28E851D-8642-4B76-AC04-C51FDD723753}" type="presParOf" srcId="{633EE9F3-2822-449A-A1AE-9A73DD9DAE00}" destId="{17D0EF5E-DBED-479D-9C60-CF6B10DE5B0D}" srcOrd="0" destOrd="0" presId="urn:microsoft.com/office/officeart/2005/8/layout/default"/>
     <dgm:cxn modelId="{86DD9634-9CAF-4F94-8DEE-D477A29C8205}" type="presParOf" srcId="{633EE9F3-2822-449A-A1AE-9A73DD9DAE00}" destId="{1CDD57A0-342A-48F6-A196-9404EF88B45C}" srcOrd="1" destOrd="0" presId="urn:microsoft.com/office/officeart/2005/8/layout/default"/>
-    <dgm:cxn modelId="{645F1031-4DF7-4370-BC32-2D4624832F51}" type="presParOf" srcId="{633EE9F3-2822-449A-A1AE-9A73DD9DAE00}" destId="{8788380F-F83C-47A6-993B-6A02B8FF2AB2}" srcOrd="2" destOrd="0" presId="urn:microsoft.com/office/officeart/2005/8/layout/default"/>
-    <dgm:cxn modelId="{7A0ECA19-DBEA-4779-8275-2EEF0526B36C}" type="presParOf" srcId="{633EE9F3-2822-449A-A1AE-9A73DD9DAE00}" destId="{7597F829-7BEA-4D81-A085-330E02629DCD}" srcOrd="3" destOrd="0" presId="urn:microsoft.com/office/officeart/2005/8/layout/default"/>
-    <dgm:cxn modelId="{FE9574D6-14D7-4C29-9517-0B2702BF0290}" type="presParOf" srcId="{633EE9F3-2822-449A-A1AE-9A73DD9DAE00}" destId="{7A0FED82-7145-4C7F-8D77-EB2F478D8BE7}" srcOrd="4" destOrd="0" presId="urn:microsoft.com/office/officeart/2005/8/layout/default"/>
-    <dgm:cxn modelId="{EBB35C00-3343-4C0F-9620-2D29EC4C03A5}" type="presParOf" srcId="{633EE9F3-2822-449A-A1AE-9A73DD9DAE00}" destId="{AA412F2B-7497-490F-97F9-BE01A86E415D}" srcOrd="5" destOrd="0" presId="urn:microsoft.com/office/officeart/2005/8/layout/default"/>
-    <dgm:cxn modelId="{1FFB4F06-303D-47A2-B35E-CEC77CB5A67A}" type="presParOf" srcId="{633EE9F3-2822-449A-A1AE-9A73DD9DAE00}" destId="{2CF7B8EF-1675-4B27-8DBA-17B220AF8F21}" srcOrd="6" destOrd="0" presId="urn:microsoft.com/office/officeart/2005/8/layout/default"/>
-    <dgm:cxn modelId="{C0D9D2A9-2019-4BA7-8223-0EB0B0635759}" type="presParOf" srcId="{633EE9F3-2822-449A-A1AE-9A73DD9DAE00}" destId="{641B48C9-810D-496C-AB73-3A59F932E4D6}" srcOrd="7" destOrd="0" presId="urn:microsoft.com/office/officeart/2005/8/layout/default"/>
-    <dgm:cxn modelId="{CC1F34F0-045C-4CC1-8687-9C6A12612EF9}" type="presParOf" srcId="{633EE9F3-2822-449A-A1AE-9A73DD9DAE00}" destId="{854D32F6-3C69-4626-A766-6DD6A513613A}" srcOrd="8" destOrd="0" presId="urn:microsoft.com/office/officeart/2005/8/layout/default"/>
-    <dgm:cxn modelId="{EDF44615-7269-4784-961C-0728EDB58D7F}" type="presParOf" srcId="{633EE9F3-2822-449A-A1AE-9A73DD9DAE00}" destId="{DF84C501-A837-4ACD-A28E-EC60AF1A2A54}" srcOrd="9" destOrd="0" presId="urn:microsoft.com/office/officeart/2005/8/layout/default"/>
-    <dgm:cxn modelId="{E73619CB-FDD2-4593-9A21-7B1C59A6AE32}" type="presParOf" srcId="{633EE9F3-2822-449A-A1AE-9A73DD9DAE00}" destId="{C38701D1-1B91-4D85-BEF9-D0956313685B}" srcOrd="10" destOrd="0" presId="urn:microsoft.com/office/officeart/2005/8/layout/default"/>
+    <dgm:cxn modelId="{FE9574D6-14D7-4C29-9517-0B2702BF0290}" type="presParOf" srcId="{633EE9F3-2822-449A-A1AE-9A73DD9DAE00}" destId="{7A0FED82-7145-4C7F-8D77-EB2F478D8BE7}" srcOrd="2" destOrd="0" presId="urn:microsoft.com/office/officeart/2005/8/layout/default"/>
+    <dgm:cxn modelId="{EBB35C00-3343-4C0F-9620-2D29EC4C03A5}" type="presParOf" srcId="{633EE9F3-2822-449A-A1AE-9A73DD9DAE00}" destId="{AA412F2B-7497-490F-97F9-BE01A86E415D}" srcOrd="3" destOrd="0" presId="urn:microsoft.com/office/officeart/2005/8/layout/default"/>
+    <dgm:cxn modelId="{1FFB4F06-303D-47A2-B35E-CEC77CB5A67A}" type="presParOf" srcId="{633EE9F3-2822-449A-A1AE-9A73DD9DAE00}" destId="{2CF7B8EF-1675-4B27-8DBA-17B220AF8F21}" srcOrd="4" destOrd="0" presId="urn:microsoft.com/office/officeart/2005/8/layout/default"/>
+    <dgm:cxn modelId="{C0D9D2A9-2019-4BA7-8223-0EB0B0635759}" type="presParOf" srcId="{633EE9F3-2822-449A-A1AE-9A73DD9DAE00}" destId="{641B48C9-810D-496C-AB73-3A59F932E4D6}" srcOrd="5" destOrd="0" presId="urn:microsoft.com/office/officeart/2005/8/layout/default"/>
+    <dgm:cxn modelId="{CC1F34F0-045C-4CC1-8687-9C6A12612EF9}" type="presParOf" srcId="{633EE9F3-2822-449A-A1AE-9A73DD9DAE00}" destId="{854D32F6-3C69-4626-A766-6DD6A513613A}" srcOrd="6" destOrd="0" presId="urn:microsoft.com/office/officeart/2005/8/layout/default"/>
   </dgm:cxnLst>
   <dgm:bg/>
   <dgm:whole/>
@@ -5415,8 +5291,8 @@
       </dsp:nvSpPr>
       <dsp:spPr>
         <a:xfrm>
-          <a:off x="825129" y="107913"/>
-          <a:ext cx="2756798" cy="1304224"/>
+          <a:off x="0" y="444249"/>
+          <a:ext cx="3671964" cy="1737184"/>
         </a:xfrm>
         <a:prstGeom prst="rect">
           <a:avLst/>
@@ -5493,87 +5369,8 @@
         </a:p>
       </dsp:txBody>
       <dsp:txXfrm>
-        <a:off x="825129" y="107913"/>
-        <a:ext cx="2756798" cy="1304224"/>
-      </dsp:txXfrm>
-    </dsp:sp>
-    <dsp:sp modelId="{8788380F-F83C-47A6-993B-6A02B8FF2AB2}">
-      <dsp:nvSpPr>
-        <dsp:cNvPr id="0" name=""/>
-        <dsp:cNvSpPr/>
-      </dsp:nvSpPr>
-      <dsp:spPr>
-        <a:xfrm>
-          <a:off x="3899317" y="19039"/>
-          <a:ext cx="2756798" cy="1366881"/>
-        </a:xfrm>
-        <a:prstGeom prst="rect">
-          <a:avLst/>
-        </a:prstGeom>
-        <a:solidFill>
-          <a:schemeClr val="accent4">
-            <a:lumMod val="60000"/>
-            <a:lumOff val="40000"/>
-          </a:schemeClr>
-        </a:solidFill>
-        <a:ln w="12700" cap="flat" cmpd="sng" algn="ctr">
-          <a:solidFill>
-            <a:schemeClr val="lt1">
-              <a:hueOff val="0"/>
-              <a:satOff val="0"/>
-              <a:lumOff val="0"/>
-              <a:alphaOff val="0"/>
-            </a:schemeClr>
-          </a:solidFill>
-          <a:prstDash val="solid"/>
-          <a:miter lim="800000"/>
-        </a:ln>
-        <a:effectLst/>
-      </dsp:spPr>
-      <dsp:style>
-        <a:lnRef idx="2">
-          <a:scrgbClr r="0" g="0" b="0"/>
-        </a:lnRef>
-        <a:fillRef idx="1">
-          <a:scrgbClr r="0" g="0" b="0"/>
-        </a:fillRef>
-        <a:effectRef idx="0">
-          <a:scrgbClr r="0" g="0" b="0"/>
-        </a:effectRef>
-        <a:fontRef idx="minor">
-          <a:schemeClr val="lt1"/>
-        </a:fontRef>
-      </dsp:style>
-      <dsp:txBody>
-        <a:bodyPr spcFirstLastPara="0" vert="horz" wrap="square" lIns="53340" tIns="53340" rIns="53340" bIns="53340" numCol="1" spcCol="1270" anchor="ctr" anchorCtr="0">
-          <a:noAutofit/>
-        </a:bodyPr>
-        <a:lstStyle/>
-        <a:p>
-          <a:pPr marL="0" lvl="0" indent="0" algn="ctr" defTabSz="622300">
-            <a:lnSpc>
-              <a:spcPct val="90000"/>
-            </a:lnSpc>
-            <a:spcBef>
-              <a:spcPct val="0"/>
-            </a:spcBef>
-            <a:spcAft>
-              <a:spcPct val="35000"/>
-            </a:spcAft>
-            <a:buNone/>
-          </a:pPr>
-          <a:endParaRPr lang="en-US" sz="1400" kern="1200" dirty="0">
-            <a:solidFill>
-              <a:schemeClr val="tx1"/>
-            </a:solidFill>
-            <a:latin typeface="Arial" panose="020B0604020202020204" pitchFamily="34" charset="0"/>
-            <a:cs typeface="Arial" panose="020B0604020202020204" pitchFamily="34" charset="0"/>
-          </a:endParaRPr>
-        </a:p>
-      </dsp:txBody>
-      <dsp:txXfrm>
-        <a:off x="3899317" y="19039"/>
-        <a:ext cx="2756798" cy="1366881"/>
+        <a:off x="0" y="444249"/>
+        <a:ext cx="3671964" cy="1737184"/>
       </dsp:txXfrm>
     </dsp:sp>
     <dsp:sp modelId="{7A0FED82-7145-4C7F-8D77-EB2F478D8BE7}">
@@ -5583,8 +5380,8 @@
       </dsp:nvSpPr>
       <dsp:spPr>
         <a:xfrm>
-          <a:off x="911968" y="1680688"/>
-          <a:ext cx="2756798" cy="1488092"/>
+          <a:off x="3973640" y="270572"/>
+          <a:ext cx="3671964" cy="1982089"/>
         </a:xfrm>
         <a:prstGeom prst="rect">
           <a:avLst/>
@@ -5678,8 +5475,8 @@
         </a:p>
       </dsp:txBody>
       <dsp:txXfrm>
-        <a:off x="911968" y="1680688"/>
-        <a:ext cx="2756798" cy="1488092"/>
+        <a:off x="3973640" y="270572"/>
+        <a:ext cx="3671964" cy="1982089"/>
       </dsp:txXfrm>
     </dsp:sp>
     <dsp:sp modelId="{2CF7B8EF-1675-4B27-8DBA-17B220AF8F21}">
@@ -5689,8 +5486,8 @@
       </dsp:nvSpPr>
       <dsp:spPr>
         <a:xfrm>
-          <a:off x="3941661" y="1637475"/>
-          <a:ext cx="2756798" cy="1483940"/>
+          <a:off x="0" y="2559536"/>
+          <a:ext cx="3671964" cy="1976559"/>
         </a:xfrm>
         <a:prstGeom prst="rect">
           <a:avLst/>
@@ -5784,8 +5581,8 @@
         </a:p>
       </dsp:txBody>
       <dsp:txXfrm>
-        <a:off x="3941661" y="1637475"/>
-        <a:ext cx="2756798" cy="1483940"/>
+        <a:off x="0" y="2559536"/>
+        <a:ext cx="3671964" cy="1976559"/>
       </dsp:txXfrm>
     </dsp:sp>
     <dsp:sp modelId="{854D32F6-3C69-4626-A766-6DD6A513613A}">
@@ -5795,8 +5592,8 @@
       </dsp:nvSpPr>
       <dsp:spPr>
         <a:xfrm>
-          <a:off x="937027" y="3312043"/>
-          <a:ext cx="2756798" cy="1332691"/>
+          <a:off x="4007018" y="2525783"/>
+          <a:ext cx="3671964" cy="1775101"/>
         </a:xfrm>
         <a:prstGeom prst="rect">
           <a:avLst/>
@@ -5900,87 +5697,8 @@
         </a:p>
       </dsp:txBody>
       <dsp:txXfrm>
-        <a:off x="937027" y="3312043"/>
-        <a:ext cx="2756798" cy="1332691"/>
-      </dsp:txXfrm>
-    </dsp:sp>
-    <dsp:sp modelId="{C38701D1-1B91-4D85-BEF9-D0956313685B}">
-      <dsp:nvSpPr>
-        <dsp:cNvPr id="0" name=""/>
-        <dsp:cNvSpPr/>
-      </dsp:nvSpPr>
-      <dsp:spPr>
-        <a:xfrm>
-          <a:off x="3924487" y="3367149"/>
-          <a:ext cx="2756798" cy="1360364"/>
-        </a:xfrm>
-        <a:prstGeom prst="rect">
-          <a:avLst/>
-        </a:prstGeom>
-        <a:solidFill>
-          <a:schemeClr val="accent4">
-            <a:lumMod val="60000"/>
-            <a:lumOff val="40000"/>
-          </a:schemeClr>
-        </a:solidFill>
-        <a:ln w="12700" cap="flat" cmpd="sng" algn="ctr">
-          <a:solidFill>
-            <a:schemeClr val="lt1">
-              <a:hueOff val="0"/>
-              <a:satOff val="0"/>
-              <a:lumOff val="0"/>
-              <a:alphaOff val="0"/>
-            </a:schemeClr>
-          </a:solidFill>
-          <a:prstDash val="solid"/>
-          <a:miter lim="800000"/>
-        </a:ln>
-        <a:effectLst/>
-      </dsp:spPr>
-      <dsp:style>
-        <a:lnRef idx="2">
-          <a:scrgbClr r="0" g="0" b="0"/>
-        </a:lnRef>
-        <a:fillRef idx="1">
-          <a:scrgbClr r="0" g="0" b="0"/>
-        </a:fillRef>
-        <a:effectRef idx="0">
-          <a:scrgbClr r="0" g="0" b="0"/>
-        </a:effectRef>
-        <a:fontRef idx="minor">
-          <a:schemeClr val="lt1"/>
-        </a:fontRef>
-      </dsp:style>
-      <dsp:txBody>
-        <a:bodyPr spcFirstLastPara="0" vert="horz" wrap="square" lIns="53340" tIns="53340" rIns="53340" bIns="53340" numCol="1" spcCol="1270" anchor="ctr" anchorCtr="0">
-          <a:noAutofit/>
-        </a:bodyPr>
-        <a:lstStyle/>
-        <a:p>
-          <a:pPr marL="0" lvl="0" indent="0" algn="ctr" defTabSz="622300">
-            <a:lnSpc>
-              <a:spcPct val="90000"/>
-            </a:lnSpc>
-            <a:spcBef>
-              <a:spcPct val="0"/>
-            </a:spcBef>
-            <a:spcAft>
-              <a:spcPct val="35000"/>
-            </a:spcAft>
-            <a:buNone/>
-          </a:pPr>
-          <a:endParaRPr lang="en-US" sz="1400" kern="1200" dirty="0">
-            <a:solidFill>
-              <a:schemeClr val="tx1"/>
-            </a:solidFill>
-            <a:latin typeface="Arial" panose="020B0604020202020204" pitchFamily="34" charset="0"/>
-            <a:cs typeface="Arial" panose="020B0604020202020204" pitchFamily="34" charset="0"/>
-          </a:endParaRPr>
-        </a:p>
-      </dsp:txBody>
-      <dsp:txXfrm>
-        <a:off x="3924487" y="3367149"/>
-        <a:ext cx="2756798" cy="1360364"/>
+        <a:off x="4007018" y="2525783"/>
+        <a:ext cx="3671964" cy="1775101"/>
       </dsp:txXfrm>
     </dsp:sp>
   </dsp:spTree>
@@ -12005,7 +11723,7 @@
           <a:p>
             <a:fld id="{8CBA6F1B-65E3-4358-85C3-6AE06D031BFF}" type="datetimeFigureOut">
               <a:rPr lang="en-IL" smtClean="0"/>
-              <a:t>01/07/2023</a:t>
+              <a:t>13/08/2023</a:t>
             </a:fld>
             <a:endParaRPr lang="en-IL"/>
           </a:p>
@@ -12205,7 +11923,7 @@
           <a:p>
             <a:fld id="{8CBA6F1B-65E3-4358-85C3-6AE06D031BFF}" type="datetimeFigureOut">
               <a:rPr lang="en-IL" smtClean="0"/>
-              <a:t>01/07/2023</a:t>
+              <a:t>13/08/2023</a:t>
             </a:fld>
             <a:endParaRPr lang="en-IL"/>
           </a:p>
@@ -12415,7 +12133,7 @@
           <a:p>
             <a:fld id="{8CBA6F1B-65E3-4358-85C3-6AE06D031BFF}" type="datetimeFigureOut">
               <a:rPr lang="en-IL" smtClean="0"/>
-              <a:t>01/07/2023</a:t>
+              <a:t>13/08/2023</a:t>
             </a:fld>
             <a:endParaRPr lang="en-IL"/>
           </a:p>
@@ -12615,7 +12333,7 @@
           <a:p>
             <a:fld id="{8CBA6F1B-65E3-4358-85C3-6AE06D031BFF}" type="datetimeFigureOut">
               <a:rPr lang="en-IL" smtClean="0"/>
-              <a:t>01/07/2023</a:t>
+              <a:t>13/08/2023</a:t>
             </a:fld>
             <a:endParaRPr lang="en-IL"/>
           </a:p>
@@ -12891,7 +12609,7 @@
           <a:p>
             <a:fld id="{8CBA6F1B-65E3-4358-85C3-6AE06D031BFF}" type="datetimeFigureOut">
               <a:rPr lang="en-IL" smtClean="0"/>
-              <a:t>01/07/2023</a:t>
+              <a:t>13/08/2023</a:t>
             </a:fld>
             <a:endParaRPr lang="en-IL"/>
           </a:p>
@@ -13159,7 +12877,7 @@
           <a:p>
             <a:fld id="{8CBA6F1B-65E3-4358-85C3-6AE06D031BFF}" type="datetimeFigureOut">
               <a:rPr lang="en-IL" smtClean="0"/>
-              <a:t>01/07/2023</a:t>
+              <a:t>13/08/2023</a:t>
             </a:fld>
             <a:endParaRPr lang="en-IL"/>
           </a:p>
@@ -13574,7 +13292,7 @@
           <a:p>
             <a:fld id="{8CBA6F1B-65E3-4358-85C3-6AE06D031BFF}" type="datetimeFigureOut">
               <a:rPr lang="en-IL" smtClean="0"/>
-              <a:t>01/07/2023</a:t>
+              <a:t>13/08/2023</a:t>
             </a:fld>
             <a:endParaRPr lang="en-IL"/>
           </a:p>
@@ -13716,7 +13434,7 @@
           <a:p>
             <a:fld id="{8CBA6F1B-65E3-4358-85C3-6AE06D031BFF}" type="datetimeFigureOut">
               <a:rPr lang="en-IL" smtClean="0"/>
-              <a:t>01/07/2023</a:t>
+              <a:t>13/08/2023</a:t>
             </a:fld>
             <a:endParaRPr lang="en-IL"/>
           </a:p>
@@ -13829,7 +13547,7 @@
           <a:p>
             <a:fld id="{8CBA6F1B-65E3-4358-85C3-6AE06D031BFF}" type="datetimeFigureOut">
               <a:rPr lang="en-IL" smtClean="0"/>
-              <a:t>01/07/2023</a:t>
+              <a:t>13/08/2023</a:t>
             </a:fld>
             <a:endParaRPr lang="en-IL"/>
           </a:p>
@@ -14142,7 +13860,7 @@
           <a:p>
             <a:fld id="{8CBA6F1B-65E3-4358-85C3-6AE06D031BFF}" type="datetimeFigureOut">
               <a:rPr lang="en-IL" smtClean="0"/>
-              <a:t>01/07/2023</a:t>
+              <a:t>13/08/2023</a:t>
             </a:fld>
             <a:endParaRPr lang="en-IL"/>
           </a:p>
@@ -14431,7 +14149,7 @@
           <a:p>
             <a:fld id="{8CBA6F1B-65E3-4358-85C3-6AE06D031BFF}" type="datetimeFigureOut">
               <a:rPr lang="en-IL" smtClean="0"/>
-              <a:t>01/07/2023</a:t>
+              <a:t>13/08/2023</a:t>
             </a:fld>
             <a:endParaRPr lang="en-IL"/>
           </a:p>
@@ -14674,7 +14392,7 @@
           <a:p>
             <a:fld id="{8CBA6F1B-65E3-4358-85C3-6AE06D031BFF}" type="datetimeFigureOut">
               <a:rPr lang="en-IL" smtClean="0"/>
-              <a:t>01/07/2023</a:t>
+              <a:t>13/08/2023</a:t>
             </a:fld>
             <a:endParaRPr lang="en-IL"/>
           </a:p>
@@ -15487,8 +15205,8 @@
         </p:nvSpPr>
         <p:spPr>
           <a:xfrm>
-            <a:off x="973876" y="4542327"/>
-            <a:ext cx="4082217" cy="276999"/>
+            <a:off x="973875" y="4542327"/>
+            <a:ext cx="5107885" cy="307777"/>
           </a:xfrm>
           <a:prstGeom prst="rect">
             <a:avLst/>
@@ -15507,7 +15225,7 @@
               </a:spcAft>
             </a:pPr>
             <a:r>
-              <a:rPr lang="en-US" sz="1200" kern="1200" dirty="0">
+              <a:rPr lang="en-US" sz="1400" kern="1200" dirty="0">
                 <a:solidFill>
                   <a:schemeClr val="tx1"/>
                 </a:solidFill>
@@ -15518,7 +15236,7 @@
               </a:rPr>
               <a:t>https://www.linkedin.com/in/adina-diana-cohen-1b664567/</a:t>
             </a:r>
-            <a:endParaRPr lang="en-IL" sz="3200" dirty="0">
+            <a:endParaRPr lang="en-IL" sz="3600" dirty="0">
               <a:latin typeface="Arial" panose="020B0604020202020204" pitchFamily="34" charset="0"/>
               <a:cs typeface="Arial" panose="020B0604020202020204" pitchFamily="34" charset="0"/>
             </a:endParaRPr>
@@ -15570,7 +15288,7 @@
         <p:spPr>
           <a:xfrm>
             <a:off x="973877" y="4184297"/>
-            <a:ext cx="1824538" cy="307777"/>
+            <a:ext cx="1968809" cy="307777"/>
           </a:xfrm>
           <a:prstGeom prst="rect">
             <a:avLst/>
@@ -15598,21 +15316,9 @@
                 <a:cs typeface="Arial" panose="020B0604020202020204" pitchFamily="34" charset="0"/>
                 <a:hlinkClick r:id="rId5"/>
               </a:rPr>
-              <a:t>cohen965</a:t>
+              <a:t>cohen965@gmail.com</a:t>
             </a:r>
-            <a:r>
-              <a:rPr lang="en-US" sz="1200" kern="1200" dirty="0">
-                <a:solidFill>
-                  <a:schemeClr val="tx1"/>
-                </a:solidFill>
-                <a:latin typeface="Arial" panose="020B0604020202020204" pitchFamily="34" charset="0"/>
-                <a:ea typeface="+mn-ea"/>
-                <a:cs typeface="Arial" panose="020B0604020202020204" pitchFamily="34" charset="0"/>
-                <a:hlinkClick r:id="rId5"/>
-              </a:rPr>
-              <a:t>@gmail.com</a:t>
-            </a:r>
-            <a:endParaRPr lang="en-IL" sz="3200" dirty="0">
+            <a:endParaRPr lang="en-IL" sz="3600" dirty="0">
               <a:latin typeface="Arial" panose="020B0604020202020204" pitchFamily="34" charset="0"/>
               <a:cs typeface="Arial" panose="020B0604020202020204" pitchFamily="34" charset="0"/>
             </a:endParaRPr>
@@ -15822,6 +15528,80 @@
           </a:prstGeom>
         </p:spPr>
       </p:pic>
+      <p:sp>
+        <p:nvSpPr>
+          <p:cNvPr id="2" name="TextBox 1">
+            <a:extLst>
+              <a:ext uri="{FF2B5EF4-FFF2-40B4-BE49-F238E27FC236}">
+                <a16:creationId xmlns:a16="http://schemas.microsoft.com/office/drawing/2014/main" id="{8366E89F-EA0B-4733-B274-31E8A282A12F}"/>
+              </a:ext>
+            </a:extLst>
+          </p:cNvPr>
+          <p:cNvSpPr txBox="1"/>
+          <p:nvPr/>
+        </p:nvSpPr>
+        <p:spPr>
+          <a:xfrm>
+            <a:off x="434498" y="5440205"/>
+            <a:ext cx="4591321" cy="738664"/>
+          </a:xfrm>
+          <a:prstGeom prst="rect">
+            <a:avLst/>
+          </a:prstGeom>
+          <a:noFill/>
+        </p:spPr>
+        <p:txBody>
+          <a:bodyPr wrap="none" rtlCol="0">
+            <a:spAutoFit/>
+          </a:bodyPr>
+          <a:lstStyle/>
+          <a:p>
+            <a:r>
+              <a:rPr lang="en-US" sz="1400" dirty="0">
+                <a:latin typeface="Arial" panose="020B0604020202020204" pitchFamily="34" charset="0"/>
+                <a:cs typeface="Arial" panose="020B0604020202020204" pitchFamily="34" charset="0"/>
+              </a:rPr>
+              <a:t>I was working on these repos during my project:</a:t>
+            </a:r>
+          </a:p>
+          <a:p>
+            <a:pPr marL="285750" indent="-285750">
+              <a:buFont typeface="Arial" panose="020B0604020202020204" pitchFamily="34" charset="0"/>
+              <a:buChar char="•"/>
+            </a:pPr>
+            <a:r>
+              <a:rPr lang="en-US" sz="1400" dirty="0">
+                <a:latin typeface="Arial" panose="020B0604020202020204" pitchFamily="34" charset="0"/>
+                <a:cs typeface="Arial" panose="020B0604020202020204" pitchFamily="34" charset="0"/>
+                <a:hlinkClick r:id="rId7"/>
+              </a:rPr>
+              <a:t>https://github.com/GoddessDianaPub/aws-terraform</a:t>
+            </a:r>
+            <a:endParaRPr lang="en-US" sz="1400" dirty="0">
+              <a:latin typeface="Arial" panose="020B0604020202020204" pitchFamily="34" charset="0"/>
+              <a:cs typeface="Arial" panose="020B0604020202020204" pitchFamily="34" charset="0"/>
+            </a:endParaRPr>
+          </a:p>
+          <a:p>
+            <a:pPr marL="285750" indent="-285750">
+              <a:buFont typeface="Arial" panose="020B0604020202020204" pitchFamily="34" charset="0"/>
+              <a:buChar char="•"/>
+            </a:pPr>
+            <a:r>
+              <a:rPr lang="en-US" sz="1400" dirty="0">
+                <a:latin typeface="Arial" panose="020B0604020202020204" pitchFamily="34" charset="0"/>
+                <a:cs typeface="Arial" panose="020B0604020202020204" pitchFamily="34" charset="0"/>
+                <a:hlinkClick r:id="rId8"/>
+              </a:rPr>
+              <a:t>https://github.com/GoddessDianaPub/kandula-app</a:t>
+            </a:r>
+            <a:endParaRPr lang="en-US" sz="1400" dirty="0">
+              <a:latin typeface="Arial" panose="020B0604020202020204" pitchFamily="34" charset="0"/>
+              <a:cs typeface="Arial" panose="020B0604020202020204" pitchFamily="34" charset="0"/>
+            </a:endParaRPr>
+          </a:p>
+        </p:txBody>
+      </p:sp>
     </p:spTree>
     <p:extLst>
       <p:ext uri="{BB962C8B-B14F-4D97-AF65-F5344CB8AC3E}">
@@ -21234,7 +21014,7 @@
           <p:nvPr>
             <p:extLst>
               <p:ext uri="{D42A27DB-BD31-4B8C-83A1-F6EECF244321}">
-                <p14:modId xmlns:p14="http://schemas.microsoft.com/office/powerpoint/2010/main" val="560708163"/>
+                <p14:modId xmlns:p14="http://schemas.microsoft.com/office/powerpoint/2010/main" val="178725987"/>
               </p:ext>
             </p:extLst>
           </p:nvPr>
